--- a/Presentation1.pptx
+++ b/Presentation1.pptx
@@ -13,6 +13,12 @@
     <p:sldId id="261" r:id="rId7"/>
     <p:sldId id="262" r:id="rId8"/>
     <p:sldId id="263" r:id="rId9"/>
+    <p:sldId id="264" r:id="rId10"/>
+    <p:sldId id="265" r:id="rId11"/>
+    <p:sldId id="266" r:id="rId12"/>
+    <p:sldId id="267" r:id="rId13"/>
+    <p:sldId id="268" r:id="rId14"/>
+    <p:sldId id="269" r:id="rId15"/>
   </p:sldIdLst>
   <p:sldSz cx="12192000" cy="6858000"/>
   <p:notesSz cx="6858000" cy="9144000"/>
@@ -3174,6 +3180,429 @@
     <p:extLst>
       <p:ext uri="{BB962C8B-B14F-4D97-AF65-F5344CB8AC3E}">
         <p14:creationId xmlns:p14="http://schemas.microsoft.com/office/powerpoint/2010/main" val="4204566296"/>
+      </p:ext>
+    </p:extLst>
+  </p:cSld>
+  <p:clrMapOvr>
+    <a:masterClrMapping/>
+  </p:clrMapOvr>
+</p:sld>
+</file>
+
+<file path=ppt/slides/slide10.xml><?xml version="1.0" encoding="utf-8"?>
+<p:sld xmlns:a="http://schemas.openxmlformats.org/drawingml/2006/main" xmlns:r="http://schemas.openxmlformats.org/officeDocument/2006/relationships" xmlns:p="http://schemas.openxmlformats.org/presentationml/2006/main">
+  <p:cSld>
+    <p:spTree>
+      <p:nvGrpSpPr>
+        <p:cNvPr id="1" name=""/>
+        <p:cNvGrpSpPr/>
+        <p:nvPr/>
+      </p:nvGrpSpPr>
+      <p:grpSpPr>
+        <a:xfrm>
+          <a:off x="0" y="0"/>
+          <a:ext cx="0" cy="0"/>
+          <a:chOff x="0" y="0"/>
+          <a:chExt cx="0" cy="0"/>
+        </a:xfrm>
+      </p:grpSpPr>
+      <p:sp>
+        <p:nvSpPr>
+          <p:cNvPr id="3" name="Content Placeholder 2"/>
+          <p:cNvSpPr>
+            <a:spLocks noGrp="1"/>
+          </p:cNvSpPr>
+          <p:nvPr>
+            <p:ph idx="1"/>
+          </p:nvPr>
+        </p:nvSpPr>
+        <p:spPr/>
+        <p:txBody>
+          <a:bodyPr/>
+          <a:lstStyle/>
+          <a:p>
+            <a:r>
+              <a:rPr lang="en-US" dirty="0" err="1" smtClean="0"/>
+              <a:t>Threadgroup</a:t>
+            </a:r>
+            <a:endParaRPr lang="en-US" dirty="0" smtClean="0"/>
+          </a:p>
+          <a:p>
+            <a:endParaRPr lang="en-US" dirty="0"/>
+          </a:p>
+          <a:p>
+            <a:pPr marL="0" indent="0">
+              <a:buNone/>
+            </a:pPr>
+            <a:r>
+              <a:rPr lang="en-US" dirty="0" smtClean="0"/>
+              <a:t>                </a:t>
+            </a:r>
+            <a:r>
+              <a:rPr lang="en-US" sz="1600" dirty="0" smtClean="0"/>
+              <a:t>-</a:t>
+            </a:r>
+            <a:r>
+              <a:rPr lang="en-US" sz="1600" dirty="0"/>
+              <a:t>Java provides a convenient way to group multiple threads in a single object. In such way, we can suspend, resume or interrupt group </a:t>
+            </a:r>
+            <a:r>
+              <a:rPr lang="en-US" sz="1600" dirty="0" smtClean="0"/>
+              <a:t>of </a:t>
+            </a:r>
+            <a:r>
+              <a:rPr lang="en-US" sz="1600" dirty="0"/>
+              <a:t>threads by a single </a:t>
+            </a:r>
+            <a:r>
+              <a:rPr lang="en-US" sz="1600" dirty="0" smtClean="0"/>
+              <a:t>method call.</a:t>
+            </a:r>
+          </a:p>
+          <a:p>
+            <a:pPr marL="0" indent="0">
+              <a:buNone/>
+            </a:pPr>
+            <a:endParaRPr lang="en-US" sz="1600" dirty="0"/>
+          </a:p>
+        </p:txBody>
+      </p:sp>
+    </p:spTree>
+    <p:extLst>
+      <p:ext uri="{BB962C8B-B14F-4D97-AF65-F5344CB8AC3E}">
+        <p14:creationId xmlns:p14="http://schemas.microsoft.com/office/powerpoint/2010/main" val="1307236790"/>
+      </p:ext>
+    </p:extLst>
+  </p:cSld>
+  <p:clrMapOvr>
+    <a:masterClrMapping/>
+  </p:clrMapOvr>
+  <p:timing>
+    <p:tnLst>
+      <p:par>
+        <p:cTn id="1" dur="indefinite" restart="never" nodeType="tmRoot"/>
+      </p:par>
+    </p:tnLst>
+  </p:timing>
+</p:sld>
+</file>
+
+<file path=ppt/slides/slide11.xml><?xml version="1.0" encoding="utf-8"?>
+<p:sld xmlns:a="http://schemas.openxmlformats.org/drawingml/2006/main" xmlns:r="http://schemas.openxmlformats.org/officeDocument/2006/relationships" xmlns:p="http://schemas.openxmlformats.org/presentationml/2006/main">
+  <p:cSld>
+    <p:spTree>
+      <p:nvGrpSpPr>
+        <p:cNvPr id="1" name=""/>
+        <p:cNvGrpSpPr/>
+        <p:nvPr/>
+      </p:nvGrpSpPr>
+      <p:grpSpPr>
+        <a:xfrm>
+          <a:off x="0" y="0"/>
+          <a:ext cx="0" cy="0"/>
+          <a:chOff x="0" y="0"/>
+          <a:chExt cx="0" cy="0"/>
+        </a:xfrm>
+      </p:grpSpPr>
+      <p:sp>
+        <p:nvSpPr>
+          <p:cNvPr id="3" name="Content Placeholder 2"/>
+          <p:cNvSpPr>
+            <a:spLocks noGrp="1"/>
+          </p:cNvSpPr>
+          <p:nvPr>
+            <p:ph idx="1"/>
+          </p:nvPr>
+        </p:nvSpPr>
+        <p:spPr/>
+        <p:txBody>
+          <a:bodyPr/>
+          <a:lstStyle/>
+          <a:p>
+            <a:r>
+              <a:rPr lang="en-US" dirty="0" smtClean="0"/>
+              <a:t>Single Task-Multiple Threads</a:t>
+            </a:r>
+            <a:endParaRPr lang="en-US" dirty="0"/>
+          </a:p>
+        </p:txBody>
+      </p:sp>
+    </p:spTree>
+    <p:extLst>
+      <p:ext uri="{BB962C8B-B14F-4D97-AF65-F5344CB8AC3E}">
+        <p14:creationId xmlns:p14="http://schemas.microsoft.com/office/powerpoint/2010/main" val="2063555693"/>
+      </p:ext>
+    </p:extLst>
+  </p:cSld>
+  <p:clrMapOvr>
+    <a:masterClrMapping/>
+  </p:clrMapOvr>
+</p:sld>
+</file>
+
+<file path=ppt/slides/slide12.xml><?xml version="1.0" encoding="utf-8"?>
+<p:sld xmlns:a="http://schemas.openxmlformats.org/drawingml/2006/main" xmlns:r="http://schemas.openxmlformats.org/officeDocument/2006/relationships" xmlns:p="http://schemas.openxmlformats.org/presentationml/2006/main">
+  <p:cSld>
+    <p:spTree>
+      <p:nvGrpSpPr>
+        <p:cNvPr id="1" name=""/>
+        <p:cNvGrpSpPr/>
+        <p:nvPr/>
+      </p:nvGrpSpPr>
+      <p:grpSpPr>
+        <a:xfrm>
+          <a:off x="0" y="0"/>
+          <a:ext cx="0" cy="0"/>
+          <a:chOff x="0" y="0"/>
+          <a:chExt cx="0" cy="0"/>
+        </a:xfrm>
+      </p:grpSpPr>
+      <p:sp>
+        <p:nvSpPr>
+          <p:cNvPr id="3" name="Content Placeholder 2"/>
+          <p:cNvSpPr>
+            <a:spLocks noGrp="1"/>
+          </p:cNvSpPr>
+          <p:nvPr>
+            <p:ph idx="1"/>
+          </p:nvPr>
+        </p:nvSpPr>
+        <p:spPr/>
+        <p:txBody>
+          <a:bodyPr/>
+          <a:lstStyle/>
+          <a:p>
+            <a:r>
+              <a:rPr lang="en-US" dirty="0" smtClean="0"/>
+              <a:t>Multiple tasks – Multiple Threads</a:t>
+            </a:r>
+            <a:endParaRPr lang="en-US" dirty="0"/>
+          </a:p>
+        </p:txBody>
+      </p:sp>
+    </p:spTree>
+    <p:extLst>
+      <p:ext uri="{BB962C8B-B14F-4D97-AF65-F5344CB8AC3E}">
+        <p14:creationId xmlns:p14="http://schemas.microsoft.com/office/powerpoint/2010/main" val="786262881"/>
+      </p:ext>
+    </p:extLst>
+  </p:cSld>
+  <p:clrMapOvr>
+    <a:masterClrMapping/>
+  </p:clrMapOvr>
+</p:sld>
+</file>
+
+<file path=ppt/slides/slide13.xml><?xml version="1.0" encoding="utf-8"?>
+<p:sld xmlns:a="http://schemas.openxmlformats.org/drawingml/2006/main" xmlns:r="http://schemas.openxmlformats.org/officeDocument/2006/relationships" xmlns:p="http://schemas.openxmlformats.org/presentationml/2006/main">
+  <p:cSld>
+    <p:spTree>
+      <p:nvGrpSpPr>
+        <p:cNvPr id="1" name=""/>
+        <p:cNvGrpSpPr/>
+        <p:nvPr/>
+      </p:nvGrpSpPr>
+      <p:grpSpPr>
+        <a:xfrm>
+          <a:off x="0" y="0"/>
+          <a:ext cx="0" cy="0"/>
+          <a:chOff x="0" y="0"/>
+          <a:chExt cx="0" cy="0"/>
+        </a:xfrm>
+      </p:grpSpPr>
+      <p:sp>
+        <p:nvSpPr>
+          <p:cNvPr id="3" name="Content Placeholder 2"/>
+          <p:cNvSpPr>
+            <a:spLocks noGrp="1"/>
+          </p:cNvSpPr>
+          <p:nvPr>
+            <p:ph idx="1"/>
+          </p:nvPr>
+        </p:nvSpPr>
+        <p:spPr/>
+        <p:txBody>
+          <a:bodyPr/>
+          <a:lstStyle/>
+          <a:p>
+            <a:r>
+              <a:rPr lang="en-US" dirty="0" smtClean="0"/>
+              <a:t>GC</a:t>
+            </a:r>
+          </a:p>
+          <a:p>
+            <a:pPr marL="0" indent="0">
+              <a:buNone/>
+            </a:pPr>
+            <a:r>
+              <a:rPr lang="en-US" dirty="0"/>
+              <a:t> </a:t>
+            </a:r>
+            <a:r>
+              <a:rPr lang="en-US" dirty="0" smtClean="0"/>
+              <a:t> - unreferenced objects</a:t>
+            </a:r>
+          </a:p>
+          <a:p>
+            <a:pPr marL="0" indent="0">
+              <a:buNone/>
+            </a:pPr>
+            <a:r>
+              <a:rPr lang="en-US" dirty="0"/>
+              <a:t> </a:t>
+            </a:r>
+            <a:r>
+              <a:rPr lang="en-US" dirty="0" smtClean="0"/>
+              <a:t> - finalize() – Object class</a:t>
+            </a:r>
+          </a:p>
+          <a:p>
+            <a:pPr marL="0" indent="0">
+              <a:buNone/>
+            </a:pPr>
+            <a:r>
+              <a:rPr lang="en-US" dirty="0"/>
+              <a:t> </a:t>
+            </a:r>
+            <a:r>
+              <a:rPr lang="en-US" dirty="0" smtClean="0"/>
+              <a:t> - static void </a:t>
+            </a:r>
+            <a:r>
+              <a:rPr lang="en-US" dirty="0" err="1" smtClean="0"/>
+              <a:t>gc</a:t>
+            </a:r>
+            <a:r>
+              <a:rPr lang="en-US" dirty="0" smtClean="0"/>
+              <a:t>()  - System class</a:t>
+            </a:r>
+            <a:endParaRPr lang="en-US" dirty="0"/>
+          </a:p>
+        </p:txBody>
+      </p:sp>
+    </p:spTree>
+    <p:extLst>
+      <p:ext uri="{BB962C8B-B14F-4D97-AF65-F5344CB8AC3E}">
+        <p14:creationId xmlns:p14="http://schemas.microsoft.com/office/powerpoint/2010/main" val="431009503"/>
+      </p:ext>
+    </p:extLst>
+  </p:cSld>
+  <p:clrMapOvr>
+    <a:masterClrMapping/>
+  </p:clrMapOvr>
+</p:sld>
+</file>
+
+<file path=ppt/slides/slide14.xml><?xml version="1.0" encoding="utf-8"?>
+<p:sld xmlns:a="http://schemas.openxmlformats.org/drawingml/2006/main" xmlns:r="http://schemas.openxmlformats.org/officeDocument/2006/relationships" xmlns:p="http://schemas.openxmlformats.org/presentationml/2006/main">
+  <p:cSld>
+    <p:spTree>
+      <p:nvGrpSpPr>
+        <p:cNvPr id="1" name=""/>
+        <p:cNvGrpSpPr/>
+        <p:nvPr/>
+      </p:nvGrpSpPr>
+      <p:grpSpPr>
+        <a:xfrm>
+          <a:off x="0" y="0"/>
+          <a:ext cx="0" cy="0"/>
+          <a:chOff x="0" y="0"/>
+          <a:chExt cx="0" cy="0"/>
+        </a:xfrm>
+      </p:grpSpPr>
+      <p:sp>
+        <p:nvSpPr>
+          <p:cNvPr id="3" name="Content Placeholder 2"/>
+          <p:cNvSpPr>
+            <a:spLocks noGrp="1"/>
+          </p:cNvSpPr>
+          <p:nvPr>
+            <p:ph idx="1"/>
+          </p:nvPr>
+        </p:nvSpPr>
+        <p:spPr/>
+        <p:txBody>
+          <a:bodyPr/>
+          <a:lstStyle/>
+          <a:p>
+            <a:r>
+              <a:rPr lang="en-US" dirty="0"/>
+              <a:t>Java Runtime </a:t>
+            </a:r>
+            <a:r>
+              <a:rPr lang="en-US" dirty="0" smtClean="0"/>
+              <a:t>class</a:t>
+            </a:r>
+          </a:p>
+          <a:p>
+            <a:pPr marL="0" indent="0">
+              <a:buNone/>
+            </a:pPr>
+            <a:r>
+              <a:rPr lang="en-US" dirty="0"/>
+              <a:t> </a:t>
+            </a:r>
+            <a:r>
+              <a:rPr lang="en-US" dirty="0" smtClean="0"/>
+              <a:t>                 -</a:t>
+            </a:r>
+            <a:r>
+              <a:rPr lang="en-US" b="1" dirty="0"/>
+              <a:t>Java Runtime</a:t>
+            </a:r>
+            <a:r>
+              <a:rPr lang="en-US" dirty="0"/>
+              <a:t> class is used </a:t>
+            </a:r>
+            <a:r>
+              <a:rPr lang="en-US" i="1" dirty="0"/>
+              <a:t>to interact with java runtime environment</a:t>
+            </a:r>
+            <a:r>
+              <a:rPr lang="en-US" dirty="0"/>
+              <a:t>. </a:t>
+            </a:r>
+            <a:endParaRPr lang="en-US" dirty="0" smtClean="0"/>
+          </a:p>
+          <a:p>
+            <a:pPr marL="0" indent="0">
+              <a:buNone/>
+            </a:pPr>
+            <a:r>
+              <a:rPr lang="en-US" dirty="0" smtClean="0"/>
+              <a:t>                  -</a:t>
+            </a:r>
+            <a:r>
+              <a:rPr lang="en-US" dirty="0"/>
+              <a:t>The </a:t>
+            </a:r>
+            <a:r>
+              <a:rPr lang="en-US" b="1" dirty="0" err="1"/>
+              <a:t>Runtime.getRuntime</a:t>
+            </a:r>
+            <a:r>
+              <a:rPr lang="en-US" b="1" dirty="0"/>
+              <a:t>()</a:t>
+            </a:r>
+            <a:r>
+              <a:rPr lang="en-US" dirty="0"/>
+              <a:t> method returns the singleton instance of Runtime class.</a:t>
+            </a:r>
+            <a:r>
+              <a:rPr lang="en-US" dirty="0" smtClean="0"/>
+              <a:t/>
+            </a:r>
+            <a:br>
+              <a:rPr lang="en-US" dirty="0" smtClean="0"/>
+            </a:br>
+            <a:endParaRPr lang="en-US" dirty="0"/>
+          </a:p>
+        </p:txBody>
+      </p:sp>
+    </p:spTree>
+    <p:extLst>
+      <p:ext uri="{BB962C8B-B14F-4D97-AF65-F5344CB8AC3E}">
+        <p14:creationId xmlns:p14="http://schemas.microsoft.com/office/powerpoint/2010/main" val="2430102594"/>
       </p:ext>
     </p:extLst>
   </p:cSld>
@@ -4597,6 +5026,59 @@
 </p:sld>
 </file>
 
+<file path=ppt/slides/slide9.xml><?xml version="1.0" encoding="utf-8"?>
+<p:sld xmlns:a="http://schemas.openxmlformats.org/drawingml/2006/main" xmlns:r="http://schemas.openxmlformats.org/officeDocument/2006/relationships" xmlns:p="http://schemas.openxmlformats.org/presentationml/2006/main">
+  <p:cSld>
+    <p:spTree>
+      <p:nvGrpSpPr>
+        <p:cNvPr id="1" name=""/>
+        <p:cNvGrpSpPr/>
+        <p:nvPr/>
+      </p:nvGrpSpPr>
+      <p:grpSpPr>
+        <a:xfrm>
+          <a:off x="0" y="0"/>
+          <a:ext cx="0" cy="0"/>
+          <a:chOff x="0" y="0"/>
+          <a:chExt cx="0" cy="0"/>
+        </a:xfrm>
+      </p:grpSpPr>
+      <p:sp>
+        <p:nvSpPr>
+          <p:cNvPr id="3" name="Content Placeholder 2"/>
+          <p:cNvSpPr>
+            <a:spLocks noGrp="1"/>
+          </p:cNvSpPr>
+          <p:nvPr>
+            <p:ph idx="1"/>
+          </p:nvPr>
+        </p:nvSpPr>
+        <p:spPr/>
+        <p:txBody>
+          <a:bodyPr/>
+          <a:lstStyle/>
+          <a:p>
+            <a:r>
+              <a:rPr lang="en-US" dirty="0" err="1" smtClean="0"/>
+              <a:t>Threadpool</a:t>
+            </a:r>
+            <a:endParaRPr lang="en-US" dirty="0"/>
+          </a:p>
+        </p:txBody>
+      </p:sp>
+    </p:spTree>
+    <p:extLst>
+      <p:ext uri="{BB962C8B-B14F-4D97-AF65-F5344CB8AC3E}">
+        <p14:creationId xmlns:p14="http://schemas.microsoft.com/office/powerpoint/2010/main" val="3979700653"/>
+      </p:ext>
+    </p:extLst>
+  </p:cSld>
+  <p:clrMapOvr>
+    <a:masterClrMapping/>
+  </p:clrMapOvr>
+</p:sld>
+</file>
+
 <file path=ppt/theme/theme1.xml><?xml version="1.0" encoding="utf-8"?>
 <a:theme xmlns:a="http://schemas.openxmlformats.org/drawingml/2006/main" name="Office Theme">
   <a:themeElements>
